--- a/I’m So Meta, Even This tAlk.pptx
+++ b/I’m So Meta, Even This tAlk.pptx
@@ -7,11 +7,17 @@
   <p:sldIdLst>
     <p:sldId id="256" r:id="rId2"/>
     <p:sldId id="257" r:id="rId3"/>
-    <p:sldId id="261" r:id="rId4"/>
-    <p:sldId id="263" r:id="rId5"/>
-    <p:sldId id="259" r:id="rId6"/>
-    <p:sldId id="262" r:id="rId7"/>
-    <p:sldId id="260" r:id="rId8"/>
+    <p:sldId id="259" r:id="rId4"/>
+    <p:sldId id="262" r:id="rId5"/>
+    <p:sldId id="264" r:id="rId6"/>
+    <p:sldId id="260" r:id="rId7"/>
+    <p:sldId id="266" r:id="rId8"/>
+    <p:sldId id="267" r:id="rId9"/>
+    <p:sldId id="268" r:id="rId10"/>
+    <p:sldId id="269" r:id="rId11"/>
+    <p:sldId id="271" r:id="rId12"/>
+    <p:sldId id="270" r:id="rId13"/>
+    <p:sldId id="265" r:id="rId14"/>
   </p:sldIdLst>
   <p:sldSz cx="12192000" cy="6858000"/>
   <p:notesSz cx="6858000" cy="9144000"/>
@@ -110,6 +116,11 @@
       </a:defRPr>
     </a:lvl9pPr>
   </p:defaultTextStyle>
+  <p:extLst>
+    <p:ext uri="{EFAFB233-063F-42B5-8137-9DF3F51BA10A}">
+      <p15:sldGuideLst xmlns:p15="http://schemas.microsoft.com/office/powerpoint/2012/main"/>
+    </p:ext>
+  </p:extLst>
 </p:presentation>
 </file>
 
@@ -760,7 +771,7 @@
             <a:fld id="{1E700B27-DE4C-4B9E-BB11-B9027034A00F}" type="datetimeFigureOut">
               <a:rPr lang="en-US" dirty="0"/>
               <a:pPr/>
-              <a:t>8/27/2014</a:t>
+              <a:t>6/9/2015</a:t>
             </a:fld>
             <a:endParaRPr lang="en-US" dirty="0"/>
           </a:p>
@@ -1880,7 +1891,7 @@
           <a:p>
             <a:fld id="{C40F4739-9812-4A9F-890D-2AD6BA5F6EE8}" type="datetimeFigureOut">
               <a:rPr lang="en-US" dirty="0"/>
-              <a:t>8/27/2014</a:t>
+              <a:t>6/9/2015</a:t>
             </a:fld>
             <a:endParaRPr lang="en-US" dirty="0"/>
           </a:p>
@@ -2891,7 +2902,7 @@
           <a:p>
             <a:fld id="{18845AC5-A3F8-44AA-BA8F-596CDCC976D3}" type="datetimeFigureOut">
               <a:rPr lang="en-US" dirty="0"/>
-              <a:t>8/27/2014</a:t>
+              <a:t>6/9/2015</a:t>
             </a:fld>
             <a:endParaRPr lang="en-US" dirty="0"/>
           </a:p>
@@ -4061,7 +4072,7 @@
           <a:p>
             <a:fld id="{C873B183-A821-4095-A363-9EC968635539}" type="datetimeFigureOut">
               <a:rPr lang="en-US" dirty="0"/>
-              <a:t>8/27/2014</a:t>
+              <a:t>6/9/2015</a:t>
             </a:fld>
             <a:endParaRPr lang="en-US" dirty="0"/>
           </a:p>
@@ -5122,7 +5133,7 @@
           <a:p>
             <a:fld id="{174D01B4-0AA5-45E6-B2E6-5FA4078AEBCF}" type="datetimeFigureOut">
               <a:rPr lang="en-US" dirty="0"/>
-              <a:t>8/27/2014</a:t>
+              <a:t>6/9/2015</a:t>
             </a:fld>
             <a:endParaRPr lang="en-US" dirty="0"/>
           </a:p>
@@ -5768,7 +5779,7 @@
           <a:p>
             <a:fld id="{4147335C-0450-40D7-8612-B3203BED4F28}" type="datetimeFigureOut">
               <a:rPr lang="en-US" dirty="0"/>
-              <a:t>8/27/2014</a:t>
+              <a:t>6/9/2015</a:t>
             </a:fld>
             <a:endParaRPr lang="en-US" dirty="0"/>
           </a:p>
@@ -6615,7 +6626,7 @@
           <a:p>
             <a:fld id="{D246A105-2A1C-4284-B4EA-07CF89B1A393}" type="datetimeFigureOut">
               <a:rPr lang="en-US" dirty="0"/>
-              <a:t>8/27/2014</a:t>
+              <a:t>6/9/2015</a:t>
             </a:fld>
             <a:endParaRPr lang="en-US" dirty="0"/>
           </a:p>
@@ -6790,7 +6801,7 @@
           <a:p>
             <a:fld id="{80DBE609-F3F2-45E6-BD6A-E03A8C86C1AE}" type="datetimeFigureOut">
               <a:rPr lang="en-US" dirty="0"/>
-              <a:t>8/27/2014</a:t>
+              <a:t>6/9/2015</a:t>
             </a:fld>
             <a:endParaRPr lang="en-US" dirty="0"/>
           </a:p>
@@ -7788,7 +7799,7 @@
           <a:p>
             <a:fld id="{7A24AD68-089C-4467-A8F3-EA2BBCA6B44E}" type="datetimeFigureOut">
               <a:rPr lang="en-US" dirty="0"/>
-              <a:t>8/27/2014</a:t>
+              <a:t>6/9/2015</a:t>
             </a:fld>
             <a:endParaRPr lang="en-US" dirty="0"/>
           </a:p>
@@ -7994,7 +8005,7 @@
           <a:p>
             <a:fld id="{75C51FCE-E4BB-4680-8E50-3C0E348D2609}" type="datetimeFigureOut">
               <a:rPr lang="en-US" dirty="0"/>
-              <a:t>8/27/2014</a:t>
+              <a:t>6/9/2015</a:t>
             </a:fld>
             <a:endParaRPr lang="en-US" dirty="0"/>
           </a:p>
@@ -9056,7 +9067,7 @@
           <a:p>
             <a:fld id="{8AAA073D-A903-47F8-8D16-77642FB0DF1F}" type="datetimeFigureOut">
               <a:rPr lang="en-US" dirty="0"/>
-              <a:t>8/27/2014</a:t>
+              <a:t>6/9/2015</a:t>
             </a:fld>
             <a:endParaRPr lang="en-US" dirty="0"/>
           </a:p>
@@ -9328,7 +9339,7 @@
           <a:p>
             <a:fld id="{AB91FA40-626B-4CA1-85D0-7A9016E395BA}" type="datetimeFigureOut">
               <a:rPr lang="en-US" dirty="0"/>
-              <a:t>8/27/2014</a:t>
+              <a:t>6/9/2015</a:t>
             </a:fld>
             <a:endParaRPr lang="en-US" dirty="0"/>
           </a:p>
@@ -9710,7 +9721,7 @@
           <a:p>
             <a:fld id="{C3F425EA-B9DC-48A7-991E-9A82573B1B21}" type="datetimeFigureOut">
               <a:rPr lang="en-US" dirty="0"/>
-              <a:t>8/27/2014</a:t>
+              <a:t>6/9/2015</a:t>
             </a:fld>
             <a:endParaRPr lang="en-US" dirty="0"/>
           </a:p>
@@ -9828,7 +9839,7 @@
           <a:p>
             <a:fld id="{66CB97F8-6CEB-469B-AFCC-889F2A2B1D5A}" type="datetimeFigureOut">
               <a:rPr lang="en-US" dirty="0"/>
-              <a:t>8/27/2014</a:t>
+              <a:t>6/9/2015</a:t>
             </a:fld>
             <a:endParaRPr lang="en-US" dirty="0"/>
           </a:p>
@@ -9923,7 +9934,7 @@
           <a:p>
             <a:fld id="{8FA9179F-009E-4FA5-B091-7EBB82A185BD}" type="datetimeFigureOut">
               <a:rPr lang="en-US" dirty="0"/>
-              <a:t>8/27/2014</a:t>
+              <a:t>6/9/2015</a:t>
             </a:fld>
             <a:endParaRPr lang="en-US" dirty="0"/>
           </a:p>
@@ -11032,7 +11043,7 @@
           <a:p>
             <a:fld id="{8E665CEB-0076-4E37-B880-BCEA9784DE0A}" type="datetimeFigureOut">
               <a:rPr lang="en-US" dirty="0"/>
-              <a:t>8/27/2014</a:t>
+              <a:t>6/9/2015</a:t>
             </a:fld>
             <a:endParaRPr lang="en-US" dirty="0"/>
           </a:p>
@@ -12165,7 +12176,7 @@
           <a:p>
             <a:fld id="{A6149E5E-3896-4118-99A7-7B85668F1C5E}" type="datetimeFigureOut">
               <a:rPr lang="en-US" dirty="0"/>
-              <a:t>8/27/2014</a:t>
+              <a:t>6/9/2015</a:t>
             </a:fld>
             <a:endParaRPr lang="en-US" dirty="0"/>
           </a:p>
@@ -13193,7 +13204,7 @@
           <a:p>
             <a:fld id="{7E0D914D-B099-4142-A885-11F276715148}" type="datetimeFigureOut">
               <a:rPr lang="en-US" dirty="0"/>
-              <a:t>8/27/2014</a:t>
+              <a:t>6/9/2015</a:t>
             </a:fld>
             <a:endParaRPr lang="en-US" dirty="0"/>
           </a:p>
@@ -13841,6 +13852,371 @@
 </p:sld>
 </file>
 
+<file path=ppt/slides/slide10.xml><?xml version="1.0" encoding="utf-8"?>
+<p:sld xmlns:a="http://schemas.openxmlformats.org/drawingml/2006/main" xmlns:r="http://schemas.openxmlformats.org/officeDocument/2006/relationships" xmlns:p="http://schemas.openxmlformats.org/presentationml/2006/main">
+  <p:cSld>
+    <p:spTree>
+      <p:nvGrpSpPr>
+        <p:cNvPr id="1" name=""/>
+        <p:cNvGrpSpPr/>
+        <p:nvPr/>
+      </p:nvGrpSpPr>
+      <p:grpSpPr>
+        <a:xfrm>
+          <a:off x="0" y="0"/>
+          <a:ext cx="0" cy="0"/>
+          <a:chOff x="0" y="0"/>
+          <a:chExt cx="0" cy="0"/>
+        </a:xfrm>
+      </p:grpSpPr>
+      <p:sp>
+        <p:nvSpPr>
+          <p:cNvPr id="2" name="Title 1"/>
+          <p:cNvSpPr>
+            <a:spLocks noGrp="1"/>
+          </p:cNvSpPr>
+          <p:nvPr>
+            <p:ph type="title"/>
+          </p:nvPr>
+        </p:nvSpPr>
+        <p:spPr/>
+        <p:txBody>
+          <a:bodyPr/>
+          <a:lstStyle/>
+          <a:p>
+            <a:r>
+              <a:rPr lang="en-US" dirty="0" smtClean="0"/>
+              <a:t>A tale of woe and sadness – conclusion</a:t>
+            </a:r>
+            <a:endParaRPr lang="en-US" dirty="0"/>
+          </a:p>
+        </p:txBody>
+      </p:sp>
+      <p:sp>
+        <p:nvSpPr>
+          <p:cNvPr id="3" name="Text Placeholder 2"/>
+          <p:cNvSpPr>
+            <a:spLocks noGrp="1"/>
+          </p:cNvSpPr>
+          <p:nvPr>
+            <p:ph type="body" sz="half" idx="2"/>
+          </p:nvPr>
+        </p:nvSpPr>
+        <p:spPr/>
+        <p:txBody>
+          <a:bodyPr/>
+          <a:lstStyle/>
+          <a:p>
+            <a:r>
+              <a:rPr lang="en-US" dirty="0" smtClean="0"/>
+              <a:t>Insert happy ending here.</a:t>
+            </a:r>
+            <a:endParaRPr lang="en-US" dirty="0"/>
+          </a:p>
+        </p:txBody>
+      </p:sp>
+    </p:spTree>
+    <p:extLst>
+      <p:ext uri="{BB962C8B-B14F-4D97-AF65-F5344CB8AC3E}">
+        <p14:creationId xmlns:p14="http://schemas.microsoft.com/office/powerpoint/2010/main" val="2736625873"/>
+      </p:ext>
+    </p:extLst>
+  </p:cSld>
+  <p:clrMapOvr>
+    <a:masterClrMapping/>
+  </p:clrMapOvr>
+  <p:timing>
+    <p:tnLst>
+      <p:par>
+        <p:cTn id="1" dur="indefinite" restart="never" nodeType="tmRoot"/>
+      </p:par>
+    </p:tnLst>
+  </p:timing>
+</p:sld>
+</file>
+
+<file path=ppt/slides/slide11.xml><?xml version="1.0" encoding="utf-8"?>
+<p:sld xmlns:a="http://schemas.openxmlformats.org/drawingml/2006/main" xmlns:r="http://schemas.openxmlformats.org/officeDocument/2006/relationships" xmlns:p="http://schemas.openxmlformats.org/presentationml/2006/main">
+  <p:cSld>
+    <p:spTree>
+      <p:nvGrpSpPr>
+        <p:cNvPr id="1" name=""/>
+        <p:cNvGrpSpPr/>
+        <p:nvPr/>
+      </p:nvGrpSpPr>
+      <p:grpSpPr>
+        <a:xfrm>
+          <a:off x="0" y="0"/>
+          <a:ext cx="0" cy="0"/>
+          <a:chOff x="0" y="0"/>
+          <a:chExt cx="0" cy="0"/>
+        </a:xfrm>
+      </p:grpSpPr>
+      <p:sp>
+        <p:nvSpPr>
+          <p:cNvPr id="2" name="Title 1"/>
+          <p:cNvSpPr>
+            <a:spLocks noGrp="1"/>
+          </p:cNvSpPr>
+          <p:nvPr>
+            <p:ph type="title"/>
+          </p:nvPr>
+        </p:nvSpPr>
+        <p:spPr/>
+        <p:txBody>
+          <a:bodyPr/>
+          <a:lstStyle/>
+          <a:p>
+            <a:r>
+              <a:rPr lang="en-US" dirty="0" smtClean="0"/>
+              <a:t>A trip down memory lane…</a:t>
+            </a:r>
+            <a:endParaRPr lang="en-US" dirty="0"/>
+          </a:p>
+        </p:txBody>
+      </p:sp>
+      <p:pic>
+        <p:nvPicPr>
+          <p:cNvPr id="4" name="Content Placeholder 3"/>
+          <p:cNvPicPr>
+            <a:picLocks noGrp="1" noChangeAspect="1"/>
+          </p:cNvPicPr>
+          <p:nvPr>
+            <p:ph idx="1"/>
+          </p:nvPr>
+        </p:nvPicPr>
+        <p:blipFill>
+          <a:blip r:embed="rId2">
+            <a:extLst>
+              <a:ext uri="{28A0092B-C50C-407E-A947-70E740481C1C}">
+                <a14:useLocalDpi xmlns:a14="http://schemas.microsoft.com/office/drawing/2010/main" val="0"/>
+              </a:ext>
+            </a:extLst>
+          </a:blip>
+          <a:stretch>
+            <a:fillRect/>
+          </a:stretch>
+        </p:blipFill>
+        <p:spPr>
+          <a:xfrm>
+            <a:off x="1358520" y="3687717"/>
+            <a:ext cx="8557846" cy="1668780"/>
+          </a:xfrm>
+        </p:spPr>
+      </p:pic>
+    </p:spTree>
+    <p:extLst>
+      <p:ext uri="{BB962C8B-B14F-4D97-AF65-F5344CB8AC3E}">
+        <p14:creationId xmlns:p14="http://schemas.microsoft.com/office/powerpoint/2010/main" val="4252473763"/>
+      </p:ext>
+    </p:extLst>
+  </p:cSld>
+  <p:clrMapOvr>
+    <a:masterClrMapping/>
+  </p:clrMapOvr>
+  <p:timing>
+    <p:tnLst>
+      <p:par>
+        <p:cTn id="1" dur="indefinite" restart="never" nodeType="tmRoot"/>
+      </p:par>
+    </p:tnLst>
+  </p:timing>
+</p:sld>
+</file>
+
+<file path=ppt/slides/slide12.xml><?xml version="1.0" encoding="utf-8"?>
+<p:sld xmlns:a="http://schemas.openxmlformats.org/drawingml/2006/main" xmlns:r="http://schemas.openxmlformats.org/officeDocument/2006/relationships" xmlns:p="http://schemas.openxmlformats.org/presentationml/2006/main">
+  <p:cSld>
+    <p:spTree>
+      <p:nvGrpSpPr>
+        <p:cNvPr id="1" name=""/>
+        <p:cNvGrpSpPr/>
+        <p:nvPr/>
+      </p:nvGrpSpPr>
+      <p:grpSpPr>
+        <a:xfrm>
+          <a:off x="0" y="0"/>
+          <a:ext cx="0" cy="0"/>
+          <a:chOff x="0" y="0"/>
+          <a:chExt cx="0" cy="0"/>
+        </a:xfrm>
+      </p:grpSpPr>
+      <p:sp>
+        <p:nvSpPr>
+          <p:cNvPr id="2" name="Title 1"/>
+          <p:cNvSpPr>
+            <a:spLocks noGrp="1"/>
+          </p:cNvSpPr>
+          <p:nvPr>
+            <p:ph type="title"/>
+          </p:nvPr>
+        </p:nvSpPr>
+        <p:spPr/>
+        <p:txBody>
+          <a:bodyPr/>
+          <a:lstStyle/>
+          <a:p>
+            <a:r>
+              <a:rPr lang="en-US" dirty="0" smtClean="0"/>
+              <a:t>A tale of woe and sadness – conclusion</a:t>
+            </a:r>
+            <a:endParaRPr lang="en-US" dirty="0"/>
+          </a:p>
+        </p:txBody>
+      </p:sp>
+      <p:sp>
+        <p:nvSpPr>
+          <p:cNvPr id="3" name="Text Placeholder 2"/>
+          <p:cNvSpPr>
+            <a:spLocks noGrp="1"/>
+          </p:cNvSpPr>
+          <p:nvPr>
+            <p:ph type="body" sz="half" idx="2"/>
+          </p:nvPr>
+        </p:nvSpPr>
+        <p:spPr/>
+        <p:txBody>
+          <a:bodyPr/>
+          <a:lstStyle/>
+          <a:p>
+            <a:r>
+              <a:rPr lang="en-US" dirty="0" smtClean="0"/>
+              <a:t>Insert happy ending here.</a:t>
+            </a:r>
+            <a:endParaRPr lang="en-US" dirty="0"/>
+          </a:p>
+        </p:txBody>
+      </p:sp>
+    </p:spTree>
+    <p:extLst>
+      <p:ext uri="{BB962C8B-B14F-4D97-AF65-F5344CB8AC3E}">
+        <p14:creationId xmlns:p14="http://schemas.microsoft.com/office/powerpoint/2010/main" val="1701402024"/>
+      </p:ext>
+    </p:extLst>
+  </p:cSld>
+  <p:clrMapOvr>
+    <a:masterClrMapping/>
+  </p:clrMapOvr>
+  <p:timing>
+    <p:tnLst>
+      <p:par>
+        <p:cTn id="1" dur="indefinite" restart="never" nodeType="tmRoot"/>
+      </p:par>
+    </p:tnLst>
+  </p:timing>
+</p:sld>
+</file>
+
+<file path=ppt/slides/slide13.xml><?xml version="1.0" encoding="utf-8"?>
+<p:sld xmlns:a="http://schemas.openxmlformats.org/drawingml/2006/main" xmlns:r="http://schemas.openxmlformats.org/officeDocument/2006/relationships" xmlns:p="http://schemas.openxmlformats.org/presentationml/2006/main">
+  <p:cSld>
+    <p:spTree>
+      <p:nvGrpSpPr>
+        <p:cNvPr id="1" name=""/>
+        <p:cNvGrpSpPr/>
+        <p:nvPr/>
+      </p:nvGrpSpPr>
+      <p:grpSpPr>
+        <a:xfrm>
+          <a:off x="0" y="0"/>
+          <a:ext cx="0" cy="0"/>
+          <a:chOff x="0" y="0"/>
+          <a:chExt cx="0" cy="0"/>
+        </a:xfrm>
+      </p:grpSpPr>
+      <p:sp>
+        <p:nvSpPr>
+          <p:cNvPr id="2" name="Title 1"/>
+          <p:cNvSpPr>
+            <a:spLocks noGrp="1"/>
+          </p:cNvSpPr>
+          <p:nvPr>
+            <p:ph type="title"/>
+          </p:nvPr>
+        </p:nvSpPr>
+        <p:spPr/>
+        <p:txBody>
+          <a:bodyPr/>
+          <a:lstStyle/>
+          <a:p>
+            <a:r>
+              <a:rPr lang="en-US" dirty="0" smtClean="0"/>
+              <a:t>But reflection is slow!</a:t>
+            </a:r>
+            <a:endParaRPr lang="en-US" dirty="0"/>
+          </a:p>
+        </p:txBody>
+      </p:sp>
+      <p:sp>
+        <p:nvSpPr>
+          <p:cNvPr id="3" name="Text Placeholder 2"/>
+          <p:cNvSpPr>
+            <a:spLocks noGrp="1"/>
+          </p:cNvSpPr>
+          <p:nvPr>
+            <p:ph type="body" sz="half" idx="13"/>
+          </p:nvPr>
+        </p:nvSpPr>
+        <p:spPr/>
+        <p:txBody>
+          <a:bodyPr/>
+          <a:lstStyle/>
+          <a:p>
+            <a:r>
+              <a:rPr lang="en-US" dirty="0" smtClean="0"/>
+              <a:t>-Haters</a:t>
+            </a:r>
+            <a:endParaRPr lang="en-US" dirty="0"/>
+          </a:p>
+        </p:txBody>
+      </p:sp>
+      <p:sp>
+        <p:nvSpPr>
+          <p:cNvPr id="4" name="Text Placeholder 3"/>
+          <p:cNvSpPr>
+            <a:spLocks noGrp="1"/>
+          </p:cNvSpPr>
+          <p:nvPr>
+            <p:ph type="body" sz="half" idx="2"/>
+          </p:nvPr>
+        </p:nvSpPr>
+        <p:spPr/>
+        <p:txBody>
+          <a:bodyPr/>
+          <a:lstStyle/>
+          <a:p>
+            <a:r>
+              <a:rPr lang="en-US" dirty="0" err="1" smtClean="0"/>
+              <a:t>Gonna</a:t>
+            </a:r>
+            <a:r>
+              <a:rPr lang="en-US" dirty="0" smtClean="0"/>
+              <a:t> hate.</a:t>
+            </a:r>
+            <a:endParaRPr lang="en-US" dirty="0"/>
+          </a:p>
+        </p:txBody>
+      </p:sp>
+    </p:spTree>
+    <p:extLst>
+      <p:ext uri="{BB962C8B-B14F-4D97-AF65-F5344CB8AC3E}">
+        <p14:creationId xmlns:p14="http://schemas.microsoft.com/office/powerpoint/2010/main" val="2557477449"/>
+      </p:ext>
+    </p:extLst>
+  </p:cSld>
+  <p:clrMapOvr>
+    <a:masterClrMapping/>
+  </p:clrMapOvr>
+  <p:timing>
+    <p:tnLst>
+      <p:par>
+        <p:cTn id="1" dur="indefinite" restart="never" nodeType="tmRoot"/>
+      </p:par>
+    </p:tnLst>
+  </p:timing>
+</p:sld>
+</file>
+
 <file path=ppt/slides/slide2.xml><?xml version="1.0" encoding="utf-8"?>
 <p:sld xmlns:a="http://schemas.openxmlformats.org/drawingml/2006/main" xmlns:r="http://schemas.openxmlformats.org/officeDocument/2006/relationships" xmlns:p="http://schemas.openxmlformats.org/presentationml/2006/main">
   <p:cSld>
@@ -13904,6 +14280,12 @@
           <a:p>
             <a:r>
               <a:rPr lang="en-US" dirty="0" smtClean="0"/>
+              <a:t>C# MVP</a:t>
+            </a:r>
+          </a:p>
+          <a:p>
+            <a:r>
+              <a:rPr lang="en-US" dirty="0" smtClean="0"/>
               <a:t>Quicken Loans (we’re hiring!)</a:t>
             </a:r>
           </a:p>
@@ -13922,6 +14304,22 @@
             <a:r>
               <a:rPr lang="en-US" dirty="0" smtClean="0"/>
               <a:t>brian.friesen@gmail.com</a:t>
+            </a:r>
+          </a:p>
+          <a:p>
+            <a:r>
+              <a:rPr lang="en-US" dirty="0" smtClean="0"/>
+              <a:t>randomskunk.com</a:t>
+            </a:r>
+          </a:p>
+          <a:p>
+            <a:r>
+              <a:rPr lang="en-US" dirty="0" smtClean="0"/>
+              <a:t>github.com/</a:t>
+            </a:r>
+            <a:r>
+              <a:rPr lang="en-US" dirty="0" err="1" smtClean="0"/>
+              <a:t>bfriesen</a:t>
             </a:r>
             <a:endParaRPr lang="en-US" dirty="0"/>
           </a:p>
@@ -13980,21 +14378,29 @@
           <a:lstStyle/>
           <a:p>
             <a:r>
-              <a:rPr lang="en-US" dirty="0" smtClean="0"/>
-              <a:t>Roadmap</a:t>
-            </a:r>
-            <a:endParaRPr lang="en-US" dirty="0"/>
+              <a:rPr lang="en-US" sz="2800" b="1" dirty="0" err="1"/>
+              <a:t>Metaprogramming</a:t>
+            </a:r>
+            <a:r>
+              <a:rPr lang="en-US" sz="2800" dirty="0"/>
+              <a:t> is the writing of computer programs that write or manipulate other programs (or themselves) as their data, or that do part of the work at compile time that would otherwise be done at runtime</a:t>
+            </a:r>
+            <a:r>
+              <a:rPr lang="en-US" sz="2800" dirty="0" smtClean="0"/>
+              <a:t>.</a:t>
+            </a:r>
+            <a:endParaRPr lang="en-US" sz="2800" dirty="0"/>
           </a:p>
         </p:txBody>
       </p:sp>
       <p:sp>
         <p:nvSpPr>
-          <p:cNvPr id="3" name="Content Placeholder 2"/>
+          <p:cNvPr id="3" name="Text Placeholder 2"/>
           <p:cNvSpPr>
             <a:spLocks noGrp="1"/>
           </p:cNvSpPr>
           <p:nvPr>
-            <p:ph idx="1"/>
+            <p:ph type="body" sz="half" idx="13"/>
           </p:nvPr>
         </p:nvSpPr>
         <p:spPr/>
@@ -14004,77 +14410,55 @@
           <a:p>
             <a:r>
               <a:rPr lang="en-US" dirty="0" smtClean="0"/>
-              <a:t>1. </a:t>
+              <a:t>-Wikipedia</a:t>
+            </a:r>
+          </a:p>
+        </p:txBody>
+      </p:sp>
+      <p:sp>
+        <p:nvSpPr>
+          <p:cNvPr id="4" name="Text Placeholder 3"/>
+          <p:cNvSpPr>
+            <a:spLocks noGrp="1"/>
+          </p:cNvSpPr>
+          <p:nvPr>
+            <p:ph type="body" sz="half" idx="2"/>
+          </p:nvPr>
+        </p:nvSpPr>
+        <p:spPr/>
+        <p:txBody>
+          <a:bodyPr/>
+          <a:lstStyle/>
+          <a:p>
+            <a:r>
+              <a:rPr lang="en-US" dirty="0" smtClean="0"/>
+              <a:t>Achievement unlocked: </a:t>
             </a:r>
             <a:r>
               <a:rPr lang="en-US" dirty="0" err="1" smtClean="0"/>
-              <a:t>Nucsafe</a:t>
-            </a:r>
-            <a:r>
-              <a:rPr lang="en-US" dirty="0" smtClean="0"/>
-              <a:t>: Sneaky Reflection</a:t>
-            </a:r>
-          </a:p>
-          <a:p>
-            <a:r>
-              <a:rPr lang="en-US" dirty="0" smtClean="0"/>
-              <a:t>2. </a:t>
-            </a:r>
-            <a:r>
-              <a:rPr lang="en-US" dirty="0" err="1" smtClean="0"/>
-              <a:t>Nucsafe</a:t>
-            </a:r>
-            <a:r>
-              <a:rPr lang="en-US" dirty="0" smtClean="0"/>
-              <a:t>: </a:t>
-            </a:r>
-            <a:r>
-              <a:rPr lang="en-US" dirty="0" err="1" smtClean="0"/>
-              <a:t>CodeDom</a:t>
-            </a:r>
-            <a:r>
-              <a:rPr lang="en-US" dirty="0" smtClean="0"/>
-              <a:t>/</a:t>
-            </a:r>
-            <a:r>
-              <a:rPr lang="en-US" dirty="0" err="1" smtClean="0"/>
-              <a:t>CodeGen</a:t>
+              <a:t>copypasta</a:t>
             </a:r>
             <a:endParaRPr lang="en-US" dirty="0" smtClean="0"/>
-          </a:p>
-          <a:p>
-            <a:r>
-              <a:rPr lang="en-US" dirty="0" smtClean="0"/>
-              <a:t>3. </a:t>
-            </a:r>
-            <a:r>
-              <a:rPr lang="en-US" dirty="0" err="1" smtClean="0"/>
-              <a:t>Nucsafe</a:t>
-            </a:r>
-            <a:r>
-              <a:rPr lang="en-US" dirty="0" smtClean="0"/>
-              <a:t>: Arbitrary type reflection</a:t>
-            </a:r>
-          </a:p>
-          <a:p>
-            <a:r>
-              <a:rPr lang="en-US" dirty="0" smtClean="0"/>
-              <a:t>4. QL: Optimized reflection</a:t>
-            </a:r>
-            <a:endParaRPr lang="en-US" dirty="0"/>
           </a:p>
         </p:txBody>
       </p:sp>
     </p:spTree>
     <p:extLst>
       <p:ext uri="{BB962C8B-B14F-4D97-AF65-F5344CB8AC3E}">
-        <p14:creationId xmlns:p14="http://schemas.microsoft.com/office/powerpoint/2010/main" val="161893105"/>
+        <p14:creationId xmlns:p14="http://schemas.microsoft.com/office/powerpoint/2010/main" val="4194109816"/>
       </p:ext>
     </p:extLst>
   </p:cSld>
   <p:clrMapOvr>
     <a:masterClrMapping/>
   </p:clrMapOvr>
+  <p:timing>
+    <p:tnLst>
+      <p:par>
+        <p:cTn id="1" dur="indefinite" restart="never" nodeType="tmRoot"/>
+      </p:par>
+    </p:tnLst>
+  </p:timing>
 </p:sld>
 </file>
 
@@ -14112,7 +14496,7 @@
           <a:p>
             <a:r>
               <a:rPr lang="en-US" dirty="0" smtClean="0"/>
-              <a:t>Roadmap</a:t>
+              <a:t>Have you ever…</a:t>
             </a:r>
             <a:endParaRPr lang="en-US" dirty="0"/>
           </a:p>
@@ -14125,47 +14509,317 @@
             <a:spLocks noGrp="1"/>
           </p:cNvSpPr>
           <p:nvPr>
-            <p:ph sz="half" idx="1"/>
+            <p:ph idx="1"/>
           </p:nvPr>
         </p:nvSpPr>
-        <p:spPr/>
+        <p:spPr>
+          <a:xfrm>
+            <a:off x="1154955" y="2603500"/>
+            <a:ext cx="8761412" cy="3416300"/>
+          </a:xfrm>
+        </p:spPr>
         <p:txBody>
           <a:bodyPr/>
           <a:lstStyle/>
           <a:p>
-            <a:endParaRPr lang="en-US"/>
-          </a:p>
-        </p:txBody>
-      </p:sp>
-      <p:sp>
-        <p:nvSpPr>
-          <p:cNvPr id="4" name="Content Placeholder 3"/>
-          <p:cNvSpPr>
-            <a:spLocks noGrp="1"/>
-          </p:cNvSpPr>
-          <p:nvPr>
-            <p:ph sz="half" idx="2"/>
-          </p:nvPr>
-        </p:nvSpPr>
-        <p:spPr/>
-        <p:txBody>
-          <a:bodyPr/>
-          <a:lstStyle/>
-          <a:p>
-            <a:endParaRPr lang="en-US"/>
+            <a:r>
+              <a:rPr lang="en-US" dirty="0" smtClean="0"/>
+              <a:t>Compared a Type to another Type?</a:t>
+            </a:r>
+          </a:p>
+          <a:p>
+            <a:pPr marL="457200" lvl="1" indent="0">
+              <a:buNone/>
+            </a:pPr>
+            <a:r>
+              <a:rPr lang="en-US" dirty="0">
+                <a:solidFill>
+                  <a:srgbClr val="0000FF"/>
+                </a:solidFill>
+                <a:highlight>
+                  <a:srgbClr val="FFFFFF"/>
+                </a:highlight>
+                <a:latin typeface="Consolas" panose="020B0609020204030204" pitchFamily="49" charset="0"/>
+              </a:rPr>
+              <a:t>if</a:t>
+            </a:r>
+            <a:r>
+              <a:rPr lang="en-US" dirty="0">
+                <a:solidFill>
+                  <a:srgbClr val="000000"/>
+                </a:solidFill>
+                <a:highlight>
+                  <a:srgbClr val="FFFFFF"/>
+                </a:highlight>
+                <a:latin typeface="Consolas" panose="020B0609020204030204" pitchFamily="49" charset="0"/>
+              </a:rPr>
+              <a:t> (t == </a:t>
+            </a:r>
+            <a:r>
+              <a:rPr lang="en-US" dirty="0" err="1">
+                <a:solidFill>
+                  <a:srgbClr val="0000FF"/>
+                </a:solidFill>
+                <a:highlight>
+                  <a:srgbClr val="FFFFFF"/>
+                </a:highlight>
+                <a:latin typeface="Consolas" panose="020B0609020204030204" pitchFamily="49" charset="0"/>
+              </a:rPr>
+              <a:t>typeof</a:t>
+            </a:r>
+            <a:r>
+              <a:rPr lang="en-US" dirty="0">
+                <a:solidFill>
+                  <a:srgbClr val="000000"/>
+                </a:solidFill>
+                <a:highlight>
+                  <a:srgbClr val="FFFFFF"/>
+                </a:highlight>
+                <a:latin typeface="Consolas" panose="020B0609020204030204" pitchFamily="49" charset="0"/>
+              </a:rPr>
+              <a:t>(</a:t>
+            </a:r>
+            <a:r>
+              <a:rPr lang="en-US" dirty="0" err="1">
+                <a:solidFill>
+                  <a:srgbClr val="0000FF"/>
+                </a:solidFill>
+                <a:highlight>
+                  <a:srgbClr val="FFFFFF"/>
+                </a:highlight>
+                <a:latin typeface="Consolas" panose="020B0609020204030204" pitchFamily="49" charset="0"/>
+              </a:rPr>
+              <a:t>int</a:t>
+            </a:r>
+            <a:r>
+              <a:rPr lang="en-US" dirty="0">
+                <a:solidFill>
+                  <a:srgbClr val="000000"/>
+                </a:solidFill>
+                <a:highlight>
+                  <a:srgbClr val="FFFFFF"/>
+                </a:highlight>
+                <a:latin typeface="Consolas" panose="020B0609020204030204" pitchFamily="49" charset="0"/>
+              </a:rPr>
+              <a:t>)) { </a:t>
+            </a:r>
+            <a:r>
+              <a:rPr lang="en-US" dirty="0">
+                <a:solidFill>
+                  <a:srgbClr val="008000"/>
+                </a:solidFill>
+                <a:highlight>
+                  <a:srgbClr val="FFFFFF"/>
+                </a:highlight>
+                <a:latin typeface="Consolas" panose="020B0609020204030204" pitchFamily="49" charset="0"/>
+              </a:rPr>
+              <a:t>/*...*/</a:t>
+            </a:r>
+            <a:r>
+              <a:rPr lang="en-US" dirty="0">
+                <a:solidFill>
+                  <a:srgbClr val="000000"/>
+                </a:solidFill>
+                <a:highlight>
+                  <a:srgbClr val="FFFFFF"/>
+                </a:highlight>
+                <a:latin typeface="Consolas" panose="020B0609020204030204" pitchFamily="49" charset="0"/>
+              </a:rPr>
+              <a:t> </a:t>
+            </a:r>
+            <a:r>
+              <a:rPr lang="en-US" dirty="0" smtClean="0">
+                <a:solidFill>
+                  <a:srgbClr val="000000"/>
+                </a:solidFill>
+                <a:highlight>
+                  <a:srgbClr val="FFFFFF"/>
+                </a:highlight>
+                <a:latin typeface="Consolas" panose="020B0609020204030204" pitchFamily="49" charset="0"/>
+              </a:rPr>
+              <a:t>}</a:t>
+            </a:r>
+          </a:p>
+          <a:p>
+            <a:r>
+              <a:rPr lang="en-US" dirty="0" smtClean="0"/>
+              <a:t>Used a T4 template?</a:t>
+            </a:r>
+          </a:p>
+          <a:p>
+            <a:r>
+              <a:rPr lang="en-US" dirty="0" smtClean="0"/>
+              <a:t>Used xsd.exe to generate classes or a dataset based on an XML schema?</a:t>
+            </a:r>
+          </a:p>
+          <a:p>
+            <a:r>
+              <a:rPr lang="en-US" dirty="0" smtClean="0"/>
+              <a:t>Used the Activator class?</a:t>
+            </a:r>
+          </a:p>
+          <a:p>
+            <a:pPr marL="457200" lvl="1" indent="0">
+              <a:buNone/>
+            </a:pPr>
+            <a:r>
+              <a:rPr lang="en-US" dirty="0" err="1">
+                <a:solidFill>
+                  <a:srgbClr val="2B91AF"/>
+                </a:solidFill>
+                <a:highlight>
+                  <a:srgbClr val="FFFFFF"/>
+                </a:highlight>
+                <a:latin typeface="Consolas" panose="020B0609020204030204" pitchFamily="49" charset="0"/>
+              </a:rPr>
+              <a:t>Activator</a:t>
+            </a:r>
+            <a:r>
+              <a:rPr lang="en-US" dirty="0" err="1">
+                <a:solidFill>
+                  <a:srgbClr val="000000"/>
+                </a:solidFill>
+                <a:highlight>
+                  <a:srgbClr val="FFFFFF"/>
+                </a:highlight>
+                <a:latin typeface="Consolas" panose="020B0609020204030204" pitchFamily="49" charset="0"/>
+              </a:rPr>
+              <a:t>.CreateInstance</a:t>
+            </a:r>
+            <a:r>
+              <a:rPr lang="en-US" dirty="0">
+                <a:solidFill>
+                  <a:srgbClr val="000000"/>
+                </a:solidFill>
+                <a:highlight>
+                  <a:srgbClr val="FFFFFF"/>
+                </a:highlight>
+                <a:latin typeface="Consolas" panose="020B0609020204030204" pitchFamily="49" charset="0"/>
+              </a:rPr>
+              <a:t>&lt;</a:t>
+            </a:r>
+            <a:r>
+              <a:rPr lang="en-US" dirty="0">
+                <a:solidFill>
+                  <a:srgbClr val="2B91AF"/>
+                </a:solidFill>
+                <a:highlight>
+                  <a:srgbClr val="FFFFFF"/>
+                </a:highlight>
+                <a:latin typeface="Consolas" panose="020B0609020204030204" pitchFamily="49" charset="0"/>
+              </a:rPr>
+              <a:t>Foo</a:t>
+            </a:r>
+            <a:r>
+              <a:rPr lang="en-US" dirty="0">
+                <a:solidFill>
+                  <a:srgbClr val="000000"/>
+                </a:solidFill>
+                <a:highlight>
+                  <a:srgbClr val="FFFFFF"/>
+                </a:highlight>
+                <a:latin typeface="Consolas" panose="020B0609020204030204" pitchFamily="49" charset="0"/>
+              </a:rPr>
+              <a:t>&gt;(</a:t>
+            </a:r>
+            <a:r>
+              <a:rPr lang="en-US" dirty="0">
+                <a:solidFill>
+                  <a:srgbClr val="A31515"/>
+                </a:solidFill>
+                <a:highlight>
+                  <a:srgbClr val="FFFFFF"/>
+                </a:highlight>
+                <a:latin typeface="Consolas" panose="020B0609020204030204" pitchFamily="49" charset="0"/>
+              </a:rPr>
+              <a:t>"</a:t>
+            </a:r>
+            <a:r>
+              <a:rPr lang="en-US" dirty="0" err="1">
+                <a:solidFill>
+                  <a:srgbClr val="A31515"/>
+                </a:solidFill>
+                <a:highlight>
+                  <a:srgbClr val="FFFFFF"/>
+                </a:highlight>
+                <a:latin typeface="Consolas" panose="020B0609020204030204" pitchFamily="49" charset="0"/>
+              </a:rPr>
+              <a:t>abc</a:t>
+            </a:r>
+            <a:r>
+              <a:rPr lang="en-US" dirty="0">
+                <a:solidFill>
+                  <a:srgbClr val="A31515"/>
+                </a:solidFill>
+                <a:highlight>
+                  <a:srgbClr val="FFFFFF"/>
+                </a:highlight>
+                <a:latin typeface="Consolas" panose="020B0609020204030204" pitchFamily="49" charset="0"/>
+              </a:rPr>
+              <a:t>"</a:t>
+            </a:r>
+            <a:r>
+              <a:rPr lang="en-US" dirty="0">
+                <a:solidFill>
+                  <a:srgbClr val="000000"/>
+                </a:solidFill>
+                <a:highlight>
+                  <a:srgbClr val="FFFFFF"/>
+                </a:highlight>
+                <a:latin typeface="Consolas" panose="020B0609020204030204" pitchFamily="49" charset="0"/>
+              </a:rPr>
+              <a:t>, 123)</a:t>
+            </a:r>
+            <a:endParaRPr lang="en-US" dirty="0" smtClean="0"/>
+          </a:p>
+          <a:p>
+            <a:r>
+              <a:rPr lang="en-US" dirty="0" smtClean="0"/>
+              <a:t>Used the </a:t>
+            </a:r>
+            <a:r>
+              <a:rPr lang="en-US" dirty="0" err="1" smtClean="0"/>
+              <a:t>FieldInfo</a:t>
+            </a:r>
+            <a:r>
+              <a:rPr lang="en-US" dirty="0" smtClean="0"/>
+              <a:t> class?</a:t>
+            </a:r>
+          </a:p>
+          <a:p>
+            <a:r>
+              <a:rPr lang="en-US" dirty="0" smtClean="0"/>
+              <a:t>Used a mocking library like </a:t>
+            </a:r>
+            <a:r>
+              <a:rPr lang="en-US" dirty="0" err="1" smtClean="0"/>
+              <a:t>Moq</a:t>
+            </a:r>
+            <a:r>
+              <a:rPr lang="en-US" dirty="0" smtClean="0"/>
+              <a:t> or Rhino Mock?</a:t>
+            </a:r>
+            <a:endParaRPr lang="en-US" dirty="0"/>
           </a:p>
         </p:txBody>
       </p:sp>
     </p:spTree>
     <p:extLst>
       <p:ext uri="{BB962C8B-B14F-4D97-AF65-F5344CB8AC3E}">
-        <p14:creationId xmlns:p14="http://schemas.microsoft.com/office/powerpoint/2010/main" val="2647358149"/>
+        <p14:creationId xmlns:p14="http://schemas.microsoft.com/office/powerpoint/2010/main" val="2513185264"/>
       </p:ext>
     </p:extLst>
   </p:cSld>
   <p:clrMapOvr>
     <a:masterClrMapping/>
   </p:clrMapOvr>
+  <p:timing>
+    <p:tnLst>
+      <p:par>
+        <p:cTn id="1" dur="indefinite" restart="never" nodeType="tmRoot"/>
+      </p:par>
+    </p:tnLst>
+  </p:timing>
 </p:sld>
 </file>
 
@@ -14202,46 +14856,16 @@
           <a:lstStyle/>
           <a:p>
             <a:r>
-              <a:rPr lang="en-US" sz="2800" b="1" dirty="0" err="1"/>
-              <a:t>Metaprogramming</a:t>
-            </a:r>
-            <a:r>
-              <a:rPr lang="en-US" sz="2800" dirty="0"/>
-              <a:t> is the writing of computer programs that write or manipulate other programs (or themselves) as their data, or that do part of the work at compile time that would otherwise be done at runtime</a:t>
-            </a:r>
-            <a:r>
-              <a:rPr lang="en-US" sz="2800" dirty="0" smtClean="0"/>
-              <a:t>.</a:t>
-            </a:r>
-            <a:endParaRPr lang="en-US" sz="2800" dirty="0"/>
+              <a:rPr lang="en-US" dirty="0" smtClean="0"/>
+              <a:t>Congratulations!</a:t>
+            </a:r>
+            <a:endParaRPr lang="en-US" dirty="0"/>
           </a:p>
         </p:txBody>
       </p:sp>
       <p:sp>
         <p:nvSpPr>
           <p:cNvPr id="3" name="Text Placeholder 2"/>
-          <p:cNvSpPr>
-            <a:spLocks noGrp="1"/>
-          </p:cNvSpPr>
-          <p:nvPr>
-            <p:ph type="body" sz="half" idx="13"/>
-          </p:nvPr>
-        </p:nvSpPr>
-        <p:spPr/>
-        <p:txBody>
-          <a:bodyPr/>
-          <a:lstStyle/>
-          <a:p>
-            <a:r>
-              <a:rPr lang="en-US" dirty="0" smtClean="0"/>
-              <a:t>-Wikipedia</a:t>
-            </a:r>
-          </a:p>
-        </p:txBody>
-      </p:sp>
-      <p:sp>
-        <p:nvSpPr>
-          <p:cNvPr id="4" name="Text Placeholder 3"/>
           <p:cNvSpPr>
             <a:spLocks noGrp="1"/>
           </p:cNvSpPr>
@@ -14256,20 +14880,24 @@
           <a:p>
             <a:r>
               <a:rPr lang="en-US" dirty="0" smtClean="0"/>
-              <a:t>Achievement unlocked: </a:t>
+              <a:t>You’ve used </a:t>
             </a:r>
             <a:r>
               <a:rPr lang="en-US" dirty="0" err="1" smtClean="0"/>
-              <a:t>copypasta</a:t>
-            </a:r>
-            <a:endParaRPr lang="en-US" dirty="0" smtClean="0"/>
+              <a:t>metaprogramming</a:t>
+            </a:r>
+            <a:r>
+              <a:rPr lang="en-US" dirty="0" smtClean="0"/>
+              <a:t>.</a:t>
+            </a:r>
+            <a:endParaRPr lang="en-US" dirty="0"/>
           </a:p>
         </p:txBody>
       </p:sp>
     </p:spTree>
     <p:extLst>
       <p:ext uri="{BB962C8B-B14F-4D97-AF65-F5344CB8AC3E}">
-        <p14:creationId xmlns:p14="http://schemas.microsoft.com/office/powerpoint/2010/main" val="4194109816"/>
+        <p14:creationId xmlns:p14="http://schemas.microsoft.com/office/powerpoint/2010/main" val="1511704826"/>
       </p:ext>
     </p:extLst>
   </p:cSld>
@@ -14318,43 +14946,60 @@
           <a:bodyPr/>
           <a:lstStyle/>
           <a:p>
-            <a:endParaRPr lang="en-US"/>
+            <a:r>
+              <a:rPr lang="en-US" dirty="0" smtClean="0"/>
+              <a:t>A trip down memory lane…</a:t>
+            </a:r>
+            <a:endParaRPr lang="en-US" dirty="0"/>
           </a:p>
         </p:txBody>
       </p:sp>
-      <p:sp>
-        <p:nvSpPr>
-          <p:cNvPr id="3" name="Content Placeholder 2"/>
-          <p:cNvSpPr>
-            <a:spLocks noGrp="1"/>
-          </p:cNvSpPr>
+      <p:pic>
+        <p:nvPicPr>
+          <p:cNvPr id="4" name="Content Placeholder 3"/>
+          <p:cNvPicPr>
+            <a:picLocks noGrp="1" noChangeAspect="1"/>
+          </p:cNvPicPr>
           <p:nvPr>
             <p:ph idx="1"/>
           </p:nvPr>
-        </p:nvSpPr>
-        <p:spPr/>
-        <p:txBody>
-          <a:bodyPr/>
-          <a:lstStyle/>
-          <a:p>
-            <a:r>
-              <a:rPr lang="en-US" dirty="0" smtClean="0"/>
-              <a:t>Assemblies, metadata and YOU!</a:t>
-            </a:r>
-            <a:endParaRPr lang="en-US" dirty="0"/>
-          </a:p>
-        </p:txBody>
-      </p:sp>
+        </p:nvPicPr>
+        <p:blipFill>
+          <a:blip r:embed="rId2">
+            <a:extLst>
+              <a:ext uri="{28A0092B-C50C-407E-A947-70E740481C1C}">
+                <a14:useLocalDpi xmlns:a14="http://schemas.microsoft.com/office/drawing/2010/main" val="0"/>
+              </a:ext>
+            </a:extLst>
+          </a:blip>
+          <a:stretch>
+            <a:fillRect/>
+          </a:stretch>
+        </p:blipFill>
+        <p:spPr>
+          <a:xfrm>
+            <a:off x="1358520" y="3687717"/>
+            <a:ext cx="8557846" cy="1668780"/>
+          </a:xfrm>
+        </p:spPr>
+      </p:pic>
     </p:spTree>
     <p:extLst>
       <p:ext uri="{BB962C8B-B14F-4D97-AF65-F5344CB8AC3E}">
-        <p14:creationId xmlns:p14="http://schemas.microsoft.com/office/powerpoint/2010/main" val="2513185264"/>
+        <p14:creationId xmlns:p14="http://schemas.microsoft.com/office/powerpoint/2010/main" val="1480169801"/>
       </p:ext>
     </p:extLst>
   </p:cSld>
   <p:clrMapOvr>
     <a:masterClrMapping/>
   </p:clrMapOvr>
+  <p:timing>
+    <p:tnLst>
+      <p:par>
+        <p:cTn id="1" dur="indefinite" restart="never" nodeType="tmRoot"/>
+      </p:par>
+    </p:tnLst>
+  </p:timing>
 </p:sld>
 </file>
 
@@ -14392,303 +15037,213 @@
           <a:p>
             <a:r>
               <a:rPr lang="en-US" dirty="0" smtClean="0"/>
-              <a:t>A trip down memory lane…</a:t>
+              <a:t>Sneaky Reflection</a:t>
             </a:r>
             <a:endParaRPr lang="en-US" dirty="0"/>
           </a:p>
         </p:txBody>
       </p:sp>
-      <p:pic>
-        <p:nvPicPr>
-          <p:cNvPr id="4" name="Content Placeholder 3"/>
-          <p:cNvPicPr>
-            <a:picLocks noGrp="1" noChangeAspect="1"/>
-          </p:cNvPicPr>
-          <p:nvPr>
-            <p:ph idx="1"/>
-          </p:nvPr>
-        </p:nvPicPr>
-        <p:blipFill>
-          <a:blip r:embed="rId2">
-            <a:extLst>
-              <a:ext uri="{28A0092B-C50C-407E-A947-70E740481C1C}">
-                <a14:useLocalDpi xmlns:a14="http://schemas.microsoft.com/office/drawing/2010/main" val="0"/>
-              </a:ext>
-            </a:extLst>
-          </a:blip>
-          <a:stretch>
-            <a:fillRect/>
-          </a:stretch>
-        </p:blipFill>
-        <p:spPr>
-          <a:xfrm>
-            <a:off x="454029" y="3321957"/>
-            <a:ext cx="8557846" cy="1668780"/>
-          </a:xfrm>
-        </p:spPr>
-      </p:pic>
       <p:sp>
         <p:nvSpPr>
-          <p:cNvPr id="5" name="Text Placeholder 3"/>
-          <p:cNvSpPr txBox="1">
-            <a:spLocks/>
+          <p:cNvPr id="3" name="Text Placeholder 2"/>
+          <p:cNvSpPr>
+            <a:spLocks noGrp="1"/>
           </p:cNvSpPr>
-          <p:nvPr/>
+          <p:nvPr>
+            <p:ph type="body" sz="half" idx="2"/>
+          </p:nvPr>
         </p:nvSpPr>
-        <p:spPr>
-          <a:xfrm>
-            <a:off x="454029" y="5383529"/>
-            <a:ext cx="8825659" cy="929277"/>
-          </a:xfrm>
-          <a:prstGeom prst="rect">
-            <a:avLst/>
-          </a:prstGeom>
-        </p:spPr>
+        <p:spPr/>
         <p:txBody>
           <a:bodyPr/>
-          <a:lstStyle>
-            <a:lvl1pPr marL="342900" indent="-342900" algn="l" defTabSz="457200" rtl="0" eaLnBrk="1" latinLnBrk="0" hangingPunct="1">
-              <a:spcBef>
-                <a:spcPts val="1000"/>
-              </a:spcBef>
-              <a:spcAft>
-                <a:spcPts val="0"/>
-              </a:spcAft>
-              <a:buClr>
-                <a:schemeClr val="accent1"/>
-              </a:buClr>
-              <a:buSzPct val="80000"/>
-              <a:buFont typeface="Wingdings 3" charset="2"/>
-              <a:buChar char=""/>
-              <a:defRPr sz="1800" b="0" i="0" kern="1200">
-                <a:solidFill>
-                  <a:schemeClr val="tx1">
-                    <a:lumMod val="75000"/>
-                    <a:lumOff val="25000"/>
-                  </a:schemeClr>
-                </a:solidFill>
-                <a:latin typeface="+mn-lt"/>
-                <a:ea typeface="+mn-ea"/>
-                <a:cs typeface="+mn-cs"/>
-              </a:defRPr>
-            </a:lvl1pPr>
-            <a:lvl2pPr marL="742950" indent="-285750" algn="l" defTabSz="457200" rtl="0" eaLnBrk="1" latinLnBrk="0" hangingPunct="1">
-              <a:spcBef>
-                <a:spcPts val="1000"/>
-              </a:spcBef>
-              <a:spcAft>
-                <a:spcPts val="0"/>
-              </a:spcAft>
-              <a:buClr>
-                <a:schemeClr val="accent1"/>
-              </a:buClr>
-              <a:buSzPct val="80000"/>
-              <a:buFont typeface="Wingdings 3" charset="2"/>
-              <a:buChar char=""/>
-              <a:defRPr sz="1600" b="0" i="0" kern="1200">
-                <a:solidFill>
-                  <a:schemeClr val="tx1">
-                    <a:lumMod val="75000"/>
-                    <a:lumOff val="25000"/>
-                  </a:schemeClr>
-                </a:solidFill>
-                <a:latin typeface="+mn-lt"/>
-                <a:ea typeface="+mn-ea"/>
-                <a:cs typeface="+mn-cs"/>
-              </a:defRPr>
-            </a:lvl2pPr>
-            <a:lvl3pPr marL="1143000" indent="-228600" algn="l" defTabSz="457200" rtl="0" eaLnBrk="1" latinLnBrk="0" hangingPunct="1">
-              <a:spcBef>
-                <a:spcPts val="1000"/>
-              </a:spcBef>
-              <a:spcAft>
-                <a:spcPts val="0"/>
-              </a:spcAft>
-              <a:buClr>
-                <a:schemeClr val="accent1"/>
-              </a:buClr>
-              <a:buSzPct val="80000"/>
-              <a:buFont typeface="Wingdings 3" charset="2"/>
-              <a:buChar char=""/>
-              <a:defRPr sz="1400" b="0" i="0" kern="1200">
-                <a:solidFill>
-                  <a:schemeClr val="tx1">
-                    <a:lumMod val="75000"/>
-                    <a:lumOff val="25000"/>
-                  </a:schemeClr>
-                </a:solidFill>
-                <a:latin typeface="+mn-lt"/>
-                <a:ea typeface="+mn-ea"/>
-                <a:cs typeface="+mn-cs"/>
-              </a:defRPr>
-            </a:lvl3pPr>
-            <a:lvl4pPr marL="1600200" indent="-228600" algn="l" defTabSz="457200" rtl="0" eaLnBrk="1" latinLnBrk="0" hangingPunct="1">
-              <a:spcBef>
-                <a:spcPts val="1000"/>
-              </a:spcBef>
-              <a:spcAft>
-                <a:spcPts val="0"/>
-              </a:spcAft>
-              <a:buClr>
-                <a:schemeClr val="accent1"/>
-              </a:buClr>
-              <a:buSzPct val="80000"/>
-              <a:buFont typeface="Wingdings 3" charset="2"/>
-              <a:buChar char=""/>
-              <a:defRPr sz="1200" b="0" i="0" kern="1200">
-                <a:solidFill>
-                  <a:schemeClr val="tx1">
-                    <a:lumMod val="75000"/>
-                    <a:lumOff val="25000"/>
-                  </a:schemeClr>
-                </a:solidFill>
-                <a:latin typeface="+mn-lt"/>
-                <a:ea typeface="+mn-ea"/>
-                <a:cs typeface="+mn-cs"/>
-              </a:defRPr>
-            </a:lvl4pPr>
-            <a:lvl5pPr marL="2057400" indent="-228600" algn="l" defTabSz="457200" rtl="0" eaLnBrk="1" latinLnBrk="0" hangingPunct="1">
-              <a:spcBef>
-                <a:spcPts val="1000"/>
-              </a:spcBef>
-              <a:spcAft>
-                <a:spcPts val="0"/>
-              </a:spcAft>
-              <a:buClr>
-                <a:schemeClr val="accent1"/>
-              </a:buClr>
-              <a:buSzPct val="80000"/>
-              <a:buFont typeface="Wingdings 3" charset="2"/>
-              <a:buChar char=""/>
-              <a:defRPr sz="1200" b="0" i="0" kern="1200">
-                <a:solidFill>
-                  <a:schemeClr val="tx1">
-                    <a:lumMod val="75000"/>
-                    <a:lumOff val="25000"/>
-                  </a:schemeClr>
-                </a:solidFill>
-                <a:latin typeface="+mn-lt"/>
-                <a:ea typeface="+mn-ea"/>
-                <a:cs typeface="+mn-cs"/>
-              </a:defRPr>
-            </a:lvl5pPr>
-            <a:lvl6pPr marL="2514600" indent="-228600" algn="l" defTabSz="457200" rtl="0" eaLnBrk="1" latinLnBrk="0" hangingPunct="1">
-              <a:spcBef>
-                <a:spcPts val="1000"/>
-              </a:spcBef>
-              <a:spcAft>
-                <a:spcPts val="0"/>
-              </a:spcAft>
-              <a:buClr>
-                <a:schemeClr val="accent1"/>
-              </a:buClr>
-              <a:buSzPct val="80000"/>
-              <a:buFont typeface="Wingdings 3" charset="2"/>
-              <a:buChar char=""/>
-              <a:defRPr sz="1200" b="0" i="0" kern="1200">
-                <a:solidFill>
-                  <a:schemeClr val="tx1">
-                    <a:lumMod val="75000"/>
-                    <a:lumOff val="25000"/>
-                  </a:schemeClr>
-                </a:solidFill>
-                <a:latin typeface="+mn-lt"/>
-                <a:ea typeface="+mn-ea"/>
-                <a:cs typeface="+mn-cs"/>
-              </a:defRPr>
-            </a:lvl6pPr>
-            <a:lvl7pPr marL="2971800" indent="-228600" algn="l" defTabSz="457200" rtl="0" eaLnBrk="1" latinLnBrk="0" hangingPunct="1">
-              <a:spcBef>
-                <a:spcPts val="1000"/>
-              </a:spcBef>
-              <a:spcAft>
-                <a:spcPts val="0"/>
-              </a:spcAft>
-              <a:buClr>
-                <a:schemeClr val="accent1"/>
-              </a:buClr>
-              <a:buSzPct val="80000"/>
-              <a:buFont typeface="Wingdings 3" charset="2"/>
-              <a:buChar char=""/>
-              <a:defRPr sz="1200" b="0" i="0" kern="1200">
-                <a:solidFill>
-                  <a:schemeClr val="tx1">
-                    <a:lumMod val="75000"/>
-                    <a:lumOff val="25000"/>
-                  </a:schemeClr>
-                </a:solidFill>
-                <a:latin typeface="+mn-lt"/>
-                <a:ea typeface="+mn-ea"/>
-                <a:cs typeface="+mn-cs"/>
-              </a:defRPr>
-            </a:lvl7pPr>
-            <a:lvl8pPr marL="3429000" indent="-228600" algn="l" defTabSz="457200" rtl="0" eaLnBrk="1" latinLnBrk="0" hangingPunct="1">
-              <a:spcBef>
-                <a:spcPts val="1000"/>
-              </a:spcBef>
-              <a:spcAft>
-                <a:spcPts val="0"/>
-              </a:spcAft>
-              <a:buClr>
-                <a:schemeClr val="accent1"/>
-              </a:buClr>
-              <a:buSzPct val="80000"/>
-              <a:buFont typeface="Wingdings 3" charset="2"/>
-              <a:buChar char=""/>
-              <a:defRPr sz="1200" b="0" i="0" kern="1200">
-                <a:solidFill>
-                  <a:schemeClr val="tx1">
-                    <a:lumMod val="75000"/>
-                    <a:lumOff val="25000"/>
-                  </a:schemeClr>
-                </a:solidFill>
-                <a:latin typeface="+mn-lt"/>
-                <a:ea typeface="+mn-ea"/>
-                <a:cs typeface="+mn-cs"/>
-              </a:defRPr>
-            </a:lvl8pPr>
-            <a:lvl9pPr marL="3886200" indent="-228600" algn="l" defTabSz="457200" rtl="0" eaLnBrk="1" latinLnBrk="0" hangingPunct="1">
-              <a:spcBef>
-                <a:spcPts val="1000"/>
-              </a:spcBef>
-              <a:spcAft>
-                <a:spcPts val="0"/>
-              </a:spcAft>
-              <a:buClr>
-                <a:schemeClr val="accent1"/>
-              </a:buClr>
-              <a:buSzPct val="80000"/>
-              <a:buFont typeface="Wingdings 3" charset="2"/>
-              <a:buChar char=""/>
-              <a:defRPr sz="1200" b="0" i="0" kern="1200">
-                <a:solidFill>
-                  <a:schemeClr val="tx1">
-                    <a:lumMod val="75000"/>
-                    <a:lumOff val="25000"/>
-                  </a:schemeClr>
-                </a:solidFill>
-                <a:latin typeface="+mn-lt"/>
-                <a:ea typeface="+mn-ea"/>
-                <a:cs typeface="+mn-cs"/>
-              </a:defRPr>
-            </a:lvl9pPr>
-          </a:lstStyle>
-          <a:p>
-            <a:pPr marL="0" indent="0">
-              <a:buNone/>
-            </a:pPr>
+          <a:lstStyle/>
+          <a:p>
             <a:r>
               <a:rPr lang="en-US" dirty="0" smtClean="0"/>
-              <a:t>OMG reflection!</a:t>
-            </a:r>
-            <a:endParaRPr lang="en-US" dirty="0" smtClean="0"/>
+              <a:t>Sometimes, you </a:t>
+            </a:r>
+            <a:r>
+              <a:rPr lang="en-US" dirty="0" err="1" smtClean="0"/>
+              <a:t>gotta</a:t>
+            </a:r>
+            <a:r>
+              <a:rPr lang="en-US" dirty="0" smtClean="0"/>
+              <a:t> play with fire.</a:t>
+            </a:r>
+            <a:endParaRPr lang="en-US" dirty="0"/>
           </a:p>
         </p:txBody>
       </p:sp>
     </p:spTree>
     <p:extLst>
       <p:ext uri="{BB962C8B-B14F-4D97-AF65-F5344CB8AC3E}">
-        <p14:creationId xmlns:p14="http://schemas.microsoft.com/office/powerpoint/2010/main" val="1480169801"/>
+        <p14:creationId xmlns:p14="http://schemas.microsoft.com/office/powerpoint/2010/main" val="4108522032"/>
+      </p:ext>
+    </p:extLst>
+  </p:cSld>
+  <p:clrMapOvr>
+    <a:masterClrMapping/>
+  </p:clrMapOvr>
+  <p:timing>
+    <p:tnLst>
+      <p:par>
+        <p:cTn id="1" dur="indefinite" restart="never" nodeType="tmRoot"/>
+      </p:par>
+    </p:tnLst>
+  </p:timing>
+</p:sld>
+</file>
+
+<file path=ppt/slides/slide8.xml><?xml version="1.0" encoding="utf-8"?>
+<p:sld xmlns:a="http://schemas.openxmlformats.org/drawingml/2006/main" xmlns:r="http://schemas.openxmlformats.org/officeDocument/2006/relationships" xmlns:p="http://schemas.openxmlformats.org/presentationml/2006/main">
+  <p:cSld>
+    <p:spTree>
+      <p:nvGrpSpPr>
+        <p:cNvPr id="1" name=""/>
+        <p:cNvGrpSpPr/>
+        <p:nvPr/>
+      </p:nvGrpSpPr>
+      <p:grpSpPr>
+        <a:xfrm>
+          <a:off x="0" y="0"/>
+          <a:ext cx="0" cy="0"/>
+          <a:chOff x="0" y="0"/>
+          <a:chExt cx="0" cy="0"/>
+        </a:xfrm>
+      </p:grpSpPr>
+      <p:sp>
+        <p:nvSpPr>
+          <p:cNvPr id="2" name="Title 1"/>
+          <p:cNvSpPr>
+            <a:spLocks noGrp="1"/>
+          </p:cNvSpPr>
+          <p:nvPr>
+            <p:ph type="title"/>
+          </p:nvPr>
+        </p:nvSpPr>
+        <p:spPr/>
+        <p:txBody>
+          <a:bodyPr/>
+          <a:lstStyle/>
+          <a:p>
+            <a:r>
+              <a:rPr lang="en-US" dirty="0" smtClean="0"/>
+              <a:t>Assembly scanning and dynamic object creation</a:t>
+            </a:r>
+            <a:endParaRPr lang="en-US" dirty="0"/>
+          </a:p>
+        </p:txBody>
+      </p:sp>
+      <p:sp>
+        <p:nvSpPr>
+          <p:cNvPr id="3" name="Text Placeholder 2"/>
+          <p:cNvSpPr>
+            <a:spLocks noGrp="1"/>
+          </p:cNvSpPr>
+          <p:nvPr>
+            <p:ph type="body" sz="half" idx="2"/>
+          </p:nvPr>
+        </p:nvSpPr>
+        <p:spPr/>
+        <p:txBody>
+          <a:bodyPr/>
+          <a:lstStyle/>
+          <a:p>
+            <a:r>
+              <a:rPr lang="en-US" dirty="0" smtClean="0"/>
+              <a:t>I promise it’s safe – I’ve done it at least twice and I’m fine.</a:t>
+            </a:r>
+            <a:endParaRPr lang="en-US" dirty="0"/>
+          </a:p>
+        </p:txBody>
+      </p:sp>
+    </p:spTree>
+    <p:extLst>
+      <p:ext uri="{BB962C8B-B14F-4D97-AF65-F5344CB8AC3E}">
+        <p14:creationId xmlns:p14="http://schemas.microsoft.com/office/powerpoint/2010/main" val="3833712458"/>
+      </p:ext>
+    </p:extLst>
+  </p:cSld>
+  <p:clrMapOvr>
+    <a:masterClrMapping/>
+  </p:clrMapOvr>
+  <p:timing>
+    <p:tnLst>
+      <p:par>
+        <p:cTn id="1" dur="indefinite" restart="never" nodeType="tmRoot"/>
+      </p:par>
+    </p:tnLst>
+  </p:timing>
+</p:sld>
+</file>
+
+<file path=ppt/slides/slide9.xml><?xml version="1.0" encoding="utf-8"?>
+<p:sld xmlns:a="http://schemas.openxmlformats.org/drawingml/2006/main" xmlns:r="http://schemas.openxmlformats.org/officeDocument/2006/relationships" xmlns:p="http://schemas.openxmlformats.org/presentationml/2006/main">
+  <p:cSld>
+    <p:spTree>
+      <p:nvGrpSpPr>
+        <p:cNvPr id="1" name=""/>
+        <p:cNvGrpSpPr/>
+        <p:nvPr/>
+      </p:nvGrpSpPr>
+      <p:grpSpPr>
+        <a:xfrm>
+          <a:off x="0" y="0"/>
+          <a:ext cx="0" cy="0"/>
+          <a:chOff x="0" y="0"/>
+          <a:chExt cx="0" cy="0"/>
+        </a:xfrm>
+      </p:grpSpPr>
+      <p:sp>
+        <p:nvSpPr>
+          <p:cNvPr id="2" name="Title 1"/>
+          <p:cNvSpPr>
+            <a:spLocks noGrp="1"/>
+          </p:cNvSpPr>
+          <p:nvPr>
+            <p:ph type="title"/>
+          </p:nvPr>
+        </p:nvSpPr>
+        <p:spPr/>
+        <p:txBody>
+          <a:bodyPr/>
+          <a:lstStyle/>
+          <a:p>
+            <a:r>
+              <a:rPr lang="en-US" dirty="0" smtClean="0"/>
+              <a:t>A tale of woe and sadness</a:t>
+            </a:r>
+            <a:endParaRPr lang="en-US" dirty="0"/>
+          </a:p>
+        </p:txBody>
+      </p:sp>
+      <p:sp>
+        <p:nvSpPr>
+          <p:cNvPr id="3" name="Text Placeholder 2"/>
+          <p:cNvSpPr>
+            <a:spLocks noGrp="1"/>
+          </p:cNvSpPr>
+          <p:nvPr>
+            <p:ph type="body" sz="half" idx="2"/>
+          </p:nvPr>
+        </p:nvSpPr>
+        <p:spPr/>
+        <p:txBody>
+          <a:bodyPr/>
+          <a:lstStyle/>
+          <a:p>
+            <a:r>
+              <a:rPr lang="en-US" dirty="0" smtClean="0"/>
+              <a:t>Don’t try this at home.</a:t>
+            </a:r>
+            <a:endParaRPr lang="en-US" dirty="0"/>
+          </a:p>
+        </p:txBody>
+      </p:sp>
+    </p:spTree>
+    <p:extLst>
+      <p:ext uri="{BB962C8B-B14F-4D97-AF65-F5344CB8AC3E}">
+        <p14:creationId xmlns:p14="http://schemas.microsoft.com/office/powerpoint/2010/main" val="3152085363"/>
       </p:ext>
     </p:extLst>
   </p:cSld>

--- a/I’m So Meta, Even This tAlk.pptx
+++ b/I’m So Meta, Even This tAlk.pptx
@@ -16,8 +16,11 @@
     <p:sldId id="268" r:id="rId10"/>
     <p:sldId id="269" r:id="rId11"/>
     <p:sldId id="271" r:id="rId12"/>
-    <p:sldId id="270" r:id="rId13"/>
-    <p:sldId id="265" r:id="rId14"/>
+    <p:sldId id="265" r:id="rId13"/>
+    <p:sldId id="272" r:id="rId14"/>
+    <p:sldId id="275" r:id="rId15"/>
+    <p:sldId id="273" r:id="rId16"/>
+    <p:sldId id="274" r:id="rId17"/>
   </p:sldIdLst>
   <p:sldSz cx="12192000" cy="6858000"/>
   <p:notesSz cx="6858000" cy="9144000"/>
@@ -13977,7 +13980,7 @@
       </p:sp>
       <p:pic>
         <p:nvPicPr>
-          <p:cNvPr id="4" name="Content Placeholder 3"/>
+          <p:cNvPr id="5" name="Content Placeholder 4"/>
           <p:cNvPicPr>
             <a:picLocks noGrp="1" noChangeAspect="1"/>
           </p:cNvPicPr>
@@ -13999,8 +14002,8 @@
         </p:blipFill>
         <p:spPr>
           <a:xfrm>
-            <a:off x="1358520" y="3687717"/>
-            <a:ext cx="8557846" cy="1668780"/>
+            <a:off x="2393156" y="3683000"/>
+            <a:ext cx="6286500" cy="1257300"/>
           </a:xfrm>
         </p:spPr>
       </p:pic>
@@ -14058,7 +14061,7 @@
           <a:p>
             <a:r>
               <a:rPr lang="en-US" dirty="0" smtClean="0"/>
-              <a:t>A tale of woe and sadness – conclusion</a:t>
+              <a:t>But reflection is slow!</a:t>
             </a:r>
             <a:endParaRPr lang="en-US" dirty="0"/>
           </a:p>
@@ -14067,6 +14070,29 @@
       <p:sp>
         <p:nvSpPr>
           <p:cNvPr id="3" name="Text Placeholder 2"/>
+          <p:cNvSpPr>
+            <a:spLocks noGrp="1"/>
+          </p:cNvSpPr>
+          <p:nvPr>
+            <p:ph type="body" sz="half" idx="13"/>
+          </p:nvPr>
+        </p:nvSpPr>
+        <p:spPr/>
+        <p:txBody>
+          <a:bodyPr/>
+          <a:lstStyle/>
+          <a:p>
+            <a:r>
+              <a:rPr lang="en-US" dirty="0" smtClean="0"/>
+              <a:t>-Haters</a:t>
+            </a:r>
+            <a:endParaRPr lang="en-US" dirty="0"/>
+          </a:p>
+        </p:txBody>
+      </p:sp>
+      <p:sp>
+        <p:nvSpPr>
+          <p:cNvPr id="4" name="Text Placeholder 3"/>
           <p:cNvSpPr>
             <a:spLocks noGrp="1"/>
           </p:cNvSpPr>
@@ -14080,8 +14106,12 @@
           <a:lstStyle/>
           <a:p>
             <a:r>
+              <a:rPr lang="en-US" dirty="0" err="1" smtClean="0"/>
+              <a:t>Gonna</a:t>
+            </a:r>
+            <a:r>
               <a:rPr lang="en-US" dirty="0" smtClean="0"/>
-              <a:t>Insert happy ending here.</a:t>
+              <a:t> hate.</a:t>
             </a:r>
             <a:endParaRPr lang="en-US" dirty="0"/>
           </a:p>
@@ -14090,7 +14120,7 @@
     </p:spTree>
     <p:extLst>
       <p:ext uri="{BB962C8B-B14F-4D97-AF65-F5344CB8AC3E}">
-        <p14:creationId xmlns:p14="http://schemas.microsoft.com/office/powerpoint/2010/main" val="1701402024"/>
+        <p14:creationId xmlns:p14="http://schemas.microsoft.com/office/powerpoint/2010/main" val="2557477449"/>
       </p:ext>
     </p:extLst>
   </p:cSld>
@@ -14141,7 +14171,7 @@
           <a:p>
             <a:r>
               <a:rPr lang="en-US" dirty="0" smtClean="0"/>
-              <a:t>But reflection is slow!</a:t>
+              <a:t>Optimized reflection</a:t>
             </a:r>
             <a:endParaRPr lang="en-US" dirty="0"/>
           </a:p>
@@ -14150,29 +14180,6 @@
       <p:sp>
         <p:nvSpPr>
           <p:cNvPr id="3" name="Text Placeholder 2"/>
-          <p:cNvSpPr>
-            <a:spLocks noGrp="1"/>
-          </p:cNvSpPr>
-          <p:nvPr>
-            <p:ph type="body" sz="half" idx="13"/>
-          </p:nvPr>
-        </p:nvSpPr>
-        <p:spPr/>
-        <p:txBody>
-          <a:bodyPr/>
-          <a:lstStyle/>
-          <a:p>
-            <a:r>
-              <a:rPr lang="en-US" dirty="0" smtClean="0"/>
-              <a:t>-Haters</a:t>
-            </a:r>
-            <a:endParaRPr lang="en-US" dirty="0"/>
-          </a:p>
-        </p:txBody>
-      </p:sp>
-      <p:sp>
-        <p:nvSpPr>
-          <p:cNvPr id="4" name="Text Placeholder 3"/>
           <p:cNvSpPr>
             <a:spLocks noGrp="1"/>
           </p:cNvSpPr>
@@ -14186,12 +14193,8 @@
           <a:lstStyle/>
           <a:p>
             <a:r>
-              <a:rPr lang="en-US" dirty="0" err="1" smtClean="0"/>
-              <a:t>Gonna</a:t>
-            </a:r>
-            <a:r>
               <a:rPr lang="en-US" dirty="0" smtClean="0"/>
-              <a:t> hate.</a:t>
+              <a:t>Something about having cake and eating it too.</a:t>
             </a:r>
             <a:endParaRPr lang="en-US" dirty="0"/>
           </a:p>
@@ -14200,7 +14203,296 @@
     </p:spTree>
     <p:extLst>
       <p:ext uri="{BB962C8B-B14F-4D97-AF65-F5344CB8AC3E}">
-        <p14:creationId xmlns:p14="http://schemas.microsoft.com/office/powerpoint/2010/main" val="2557477449"/>
+        <p14:creationId xmlns:p14="http://schemas.microsoft.com/office/powerpoint/2010/main" val="398127118"/>
+      </p:ext>
+    </p:extLst>
+  </p:cSld>
+  <p:clrMapOvr>
+    <a:masterClrMapping/>
+  </p:clrMapOvr>
+  <p:timing>
+    <p:tnLst>
+      <p:par>
+        <p:cTn id="1" dur="indefinite" restart="never" nodeType="tmRoot"/>
+      </p:par>
+    </p:tnLst>
+  </p:timing>
+</p:sld>
+</file>
+
+<file path=ppt/slides/slide14.xml><?xml version="1.0" encoding="utf-8"?>
+<p:sld xmlns:a="http://schemas.openxmlformats.org/drawingml/2006/main" xmlns:r="http://schemas.openxmlformats.org/officeDocument/2006/relationships" xmlns:p="http://schemas.openxmlformats.org/presentationml/2006/main">
+  <p:cSld>
+    <p:spTree>
+      <p:nvGrpSpPr>
+        <p:cNvPr id="1" name=""/>
+        <p:cNvGrpSpPr/>
+        <p:nvPr/>
+      </p:nvGrpSpPr>
+      <p:grpSpPr>
+        <a:xfrm>
+          <a:off x="0" y="0"/>
+          <a:ext cx="0" cy="0"/>
+          <a:chOff x="0" y="0"/>
+          <a:chExt cx="0" cy="0"/>
+        </a:xfrm>
+      </p:grpSpPr>
+      <p:sp>
+        <p:nvSpPr>
+          <p:cNvPr id="2" name="Title 1"/>
+          <p:cNvSpPr>
+            <a:spLocks noGrp="1"/>
+          </p:cNvSpPr>
+          <p:nvPr>
+            <p:ph type="title"/>
+          </p:nvPr>
+        </p:nvSpPr>
+        <p:spPr/>
+        <p:txBody>
+          <a:bodyPr/>
+          <a:lstStyle/>
+          <a:p>
+            <a:r>
+              <a:rPr lang="en-US" dirty="0" err="1" smtClean="0"/>
+              <a:t>Reflectinator</a:t>
+            </a:r>
+            <a:endParaRPr lang="en-US" dirty="0"/>
+          </a:p>
+        </p:txBody>
+      </p:sp>
+      <p:sp>
+        <p:nvSpPr>
+          <p:cNvPr id="3" name="Text Placeholder 2"/>
+          <p:cNvSpPr>
+            <a:spLocks noGrp="1"/>
+          </p:cNvSpPr>
+          <p:nvPr>
+            <p:ph type="body" sz="half" idx="2"/>
+          </p:nvPr>
+        </p:nvSpPr>
+        <p:spPr/>
+        <p:txBody>
+          <a:bodyPr/>
+          <a:lstStyle/>
+          <a:p>
+            <a:r>
+              <a:rPr lang="en-US" dirty="0" smtClean="0"/>
+              <a:t>Take over the </a:t>
+            </a:r>
+            <a:r>
+              <a:rPr lang="en-US" dirty="0" err="1" smtClean="0"/>
+              <a:t>tri-state</a:t>
+            </a:r>
+            <a:r>
+              <a:rPr lang="en-US" dirty="0" smtClean="0"/>
+              <a:t> area!</a:t>
+            </a:r>
+            <a:endParaRPr lang="en-US" dirty="0"/>
+          </a:p>
+        </p:txBody>
+      </p:sp>
+    </p:spTree>
+    <p:extLst>
+      <p:ext uri="{BB962C8B-B14F-4D97-AF65-F5344CB8AC3E}">
+        <p14:creationId xmlns:p14="http://schemas.microsoft.com/office/powerpoint/2010/main" val="1054067461"/>
+      </p:ext>
+    </p:extLst>
+  </p:cSld>
+  <p:clrMapOvr>
+    <a:masterClrMapping/>
+  </p:clrMapOvr>
+  <p:timing>
+    <p:tnLst>
+      <p:par>
+        <p:cTn id="1" dur="indefinite" restart="never" nodeType="tmRoot"/>
+      </p:par>
+    </p:tnLst>
+  </p:timing>
+</p:sld>
+</file>
+
+<file path=ppt/slides/slide15.xml><?xml version="1.0" encoding="utf-8"?>
+<p:sld xmlns:a="http://schemas.openxmlformats.org/drawingml/2006/main" xmlns:r="http://schemas.openxmlformats.org/officeDocument/2006/relationships" xmlns:p="http://schemas.openxmlformats.org/presentationml/2006/main">
+  <p:cSld>
+    <p:spTree>
+      <p:nvGrpSpPr>
+        <p:cNvPr id="1" name=""/>
+        <p:cNvGrpSpPr/>
+        <p:nvPr/>
+      </p:nvGrpSpPr>
+      <p:grpSpPr>
+        <a:xfrm>
+          <a:off x="0" y="0"/>
+          <a:ext cx="0" cy="0"/>
+          <a:chOff x="0" y="0"/>
+          <a:chExt cx="0" cy="0"/>
+        </a:xfrm>
+      </p:grpSpPr>
+      <p:sp>
+        <p:nvSpPr>
+          <p:cNvPr id="2" name="Title 1"/>
+          <p:cNvSpPr>
+            <a:spLocks noGrp="1"/>
+          </p:cNvSpPr>
+          <p:nvPr>
+            <p:ph type="title"/>
+          </p:nvPr>
+        </p:nvSpPr>
+        <p:spPr/>
+        <p:txBody>
+          <a:bodyPr/>
+          <a:lstStyle/>
+          <a:p>
+            <a:r>
+              <a:rPr lang="en-US" dirty="0" smtClean="0"/>
+              <a:t>Complex optimized reflection</a:t>
+            </a:r>
+            <a:endParaRPr lang="en-US" dirty="0"/>
+          </a:p>
+        </p:txBody>
+      </p:sp>
+      <p:sp>
+        <p:nvSpPr>
+          <p:cNvPr id="3" name="Text Placeholder 2"/>
+          <p:cNvSpPr>
+            <a:spLocks noGrp="1"/>
+          </p:cNvSpPr>
+          <p:nvPr>
+            <p:ph type="body" sz="half" idx="2"/>
+          </p:nvPr>
+        </p:nvSpPr>
+        <p:spPr/>
+        <p:txBody>
+          <a:bodyPr/>
+          <a:lstStyle/>
+          <a:p>
+            <a:r>
+              <a:rPr lang="en-US" dirty="0" smtClean="0"/>
+              <a:t>This part makes my brain hurt.</a:t>
+            </a:r>
+            <a:endParaRPr lang="en-US" dirty="0"/>
+          </a:p>
+        </p:txBody>
+      </p:sp>
+    </p:spTree>
+    <p:extLst>
+      <p:ext uri="{BB962C8B-B14F-4D97-AF65-F5344CB8AC3E}">
+        <p14:creationId xmlns:p14="http://schemas.microsoft.com/office/powerpoint/2010/main" val="3859147318"/>
+      </p:ext>
+    </p:extLst>
+  </p:cSld>
+  <p:clrMapOvr>
+    <a:masterClrMapping/>
+  </p:clrMapOvr>
+  <p:timing>
+    <p:tnLst>
+      <p:par>
+        <p:cTn id="1" dur="indefinite" restart="never" nodeType="tmRoot"/>
+      </p:par>
+    </p:tnLst>
+  </p:timing>
+</p:sld>
+</file>
+
+<file path=ppt/slides/slide16.xml><?xml version="1.0" encoding="utf-8"?>
+<p:sld xmlns:a="http://schemas.openxmlformats.org/drawingml/2006/main" xmlns:r="http://schemas.openxmlformats.org/officeDocument/2006/relationships" xmlns:p="http://schemas.openxmlformats.org/presentationml/2006/main">
+  <p:cSld>
+    <p:spTree>
+      <p:nvGrpSpPr>
+        <p:cNvPr id="1" name=""/>
+        <p:cNvGrpSpPr/>
+        <p:nvPr/>
+      </p:nvGrpSpPr>
+      <p:grpSpPr>
+        <a:xfrm>
+          <a:off x="0" y="0"/>
+          <a:ext cx="0" cy="0"/>
+          <a:chOff x="0" y="0"/>
+          <a:chExt cx="0" cy="0"/>
+        </a:xfrm>
+      </p:grpSpPr>
+      <p:sp>
+        <p:nvSpPr>
+          <p:cNvPr id="2" name="Title 1"/>
+          <p:cNvSpPr>
+            <a:spLocks noGrp="1"/>
+          </p:cNvSpPr>
+          <p:nvPr>
+            <p:ph type="title"/>
+          </p:nvPr>
+        </p:nvSpPr>
+        <p:spPr/>
+        <p:txBody>
+          <a:bodyPr/>
+          <a:lstStyle/>
+          <a:p>
+            <a:r>
+              <a:rPr lang="en-US" dirty="0" smtClean="0"/>
+              <a:t>Thank you!</a:t>
+            </a:r>
+            <a:endParaRPr lang="en-US" dirty="0"/>
+          </a:p>
+        </p:txBody>
+      </p:sp>
+      <p:sp>
+        <p:nvSpPr>
+          <p:cNvPr id="3" name="Content Placeholder 2"/>
+          <p:cNvSpPr>
+            <a:spLocks noGrp="1"/>
+          </p:cNvSpPr>
+          <p:nvPr>
+            <p:ph idx="1"/>
+          </p:nvPr>
+        </p:nvSpPr>
+        <p:spPr/>
+        <p:txBody>
+          <a:bodyPr/>
+          <a:lstStyle/>
+          <a:p>
+            <a:r>
+              <a:rPr lang="en-US" dirty="0" smtClean="0"/>
+              <a:t>Brian </a:t>
+            </a:r>
+            <a:r>
+              <a:rPr lang="en-US" dirty="0" smtClean="0"/>
+              <a:t>Friesen</a:t>
+            </a:r>
+          </a:p>
+          <a:p>
+            <a:r>
+              <a:rPr lang="en-US" dirty="0" smtClean="0"/>
+              <a:t>@</a:t>
+            </a:r>
+            <a:r>
+              <a:rPr lang="en-US" dirty="0" err="1" smtClean="0"/>
+              <a:t>brianfriesen</a:t>
+            </a:r>
+            <a:endParaRPr lang="en-US" dirty="0" smtClean="0"/>
+          </a:p>
+          <a:p>
+            <a:r>
+              <a:rPr lang="en-US" dirty="0" smtClean="0"/>
+              <a:t>randomskunk.com</a:t>
+            </a:r>
+            <a:endParaRPr lang="en-US" dirty="0" smtClean="0"/>
+          </a:p>
+          <a:p>
+            <a:r>
+              <a:rPr lang="en-US" dirty="0" smtClean="0"/>
+              <a:t>github.com/</a:t>
+            </a:r>
+            <a:r>
+              <a:rPr lang="en-US" dirty="0" err="1" smtClean="0"/>
+              <a:t>bfriesen</a:t>
+            </a:r>
+            <a:endParaRPr lang="en-US" dirty="0"/>
+          </a:p>
+        </p:txBody>
+      </p:sp>
+    </p:spTree>
+    <p:extLst>
+      <p:ext uri="{BB962C8B-B14F-4D97-AF65-F5344CB8AC3E}">
+        <p14:creationId xmlns:p14="http://schemas.microsoft.com/office/powerpoint/2010/main" val="1796016722"/>
       </p:ext>
     </p:extLst>
   </p:cSld>
@@ -14286,8 +14578,13 @@
           <a:p>
             <a:r>
               <a:rPr lang="en-US" dirty="0" smtClean="0"/>
-              <a:t>Quicken Loans (we’re hiring!)</a:t>
-            </a:r>
+              <a:t>Quicken </a:t>
+            </a:r>
+            <a:r>
+              <a:rPr lang="en-US" dirty="0" smtClean="0"/>
+              <a:t>Loans</a:t>
+            </a:r>
+            <a:endParaRPr lang="en-US" dirty="0" smtClean="0"/>
           </a:p>
           <a:p>
             <a:r>
@@ -14303,14 +14600,9 @@
           <a:p>
             <a:r>
               <a:rPr lang="en-US" dirty="0" smtClean="0"/>
-              <a:t>brian.friesen@gmail.com</a:t>
-            </a:r>
-          </a:p>
-          <a:p>
-            <a:r>
-              <a:rPr lang="en-US" dirty="0" smtClean="0"/>
               <a:t>randomskunk.com</a:t>
             </a:r>
+            <a:endParaRPr lang="en-US" dirty="0" smtClean="0"/>
           </a:p>
           <a:p>
             <a:r>
